--- a/run/9.DeepModels/result/DeepModels-Baseline-0217.pptx
+++ b/run/9.DeepModels/result/DeepModels-Baseline-0217.pptx
@@ -995,7 +995,7 @@
   <p:cSld>
     <p:spTree>
       <p:nvGrpSpPr>
-        <p:cNvPr id="69" name="Shape 69"/>
+        <p:cNvPr id="70" name="Shape 70"/>
         <p:cNvGrpSpPr/>
         <p:nvPr/>
       </p:nvGrpSpPr>
@@ -1009,7 +1009,7 @@
       </p:grpSpPr>
       <p:sp>
         <p:nvSpPr>
-          <p:cNvPr id="70" name="Google Shape;70;g7dcdda4394_0_34:notes"/>
+          <p:cNvPr id="71" name="Google Shape;71;g7dcdda4394_0_34:notes"/>
           <p:cNvSpPr/>
           <p:nvPr>
             <p:ph idx="2" type="sldImg"/>
@@ -1044,7 +1044,7 @@
       </p:sp>
       <p:sp>
         <p:nvSpPr>
-          <p:cNvPr id="71" name="Google Shape;71;g7dcdda4394_0_34:notes"/>
+          <p:cNvPr id="72" name="Google Shape;72;g7dcdda4394_0_34:notes"/>
           <p:cNvSpPr txBox="1"/>
           <p:nvPr>
             <p:ph idx="1" type="body"/>
@@ -1094,7 +1094,7 @@
   <p:cSld>
     <p:spTree>
       <p:nvGrpSpPr>
-        <p:cNvPr id="76" name="Shape 76"/>
+        <p:cNvPr id="77" name="Shape 77"/>
         <p:cNvGrpSpPr/>
         <p:nvPr/>
       </p:nvGrpSpPr>
@@ -1108,7 +1108,7 @@
       </p:grpSpPr>
       <p:sp>
         <p:nvSpPr>
-          <p:cNvPr id="77" name="Google Shape;77;g7dcdda4394_0_7:notes"/>
+          <p:cNvPr id="78" name="Google Shape;78;g7dcdda4394_0_7:notes"/>
           <p:cNvSpPr/>
           <p:nvPr>
             <p:ph idx="2" type="sldImg"/>
@@ -1143,7 +1143,7 @@
       </p:sp>
       <p:sp>
         <p:nvSpPr>
-          <p:cNvPr id="78" name="Google Shape;78;g7dcdda4394_0_7:notes"/>
+          <p:cNvPr id="79" name="Google Shape;79;g7dcdda4394_0_7:notes"/>
           <p:cNvSpPr txBox="1"/>
           <p:nvPr>
             <p:ph idx="1" type="body"/>
@@ -1193,7 +1193,7 @@
   <p:cSld>
     <p:spTree>
       <p:nvGrpSpPr>
-        <p:cNvPr id="83" name="Shape 83"/>
+        <p:cNvPr id="84" name="Shape 84"/>
         <p:cNvGrpSpPr/>
         <p:nvPr/>
       </p:nvGrpSpPr>
@@ -1207,7 +1207,7 @@
       </p:grpSpPr>
       <p:sp>
         <p:nvSpPr>
-          <p:cNvPr id="84" name="Google Shape;84;g7dcdda4394_0_15:notes"/>
+          <p:cNvPr id="85" name="Google Shape;85;g7dcdda4394_0_15:notes"/>
           <p:cNvSpPr/>
           <p:nvPr>
             <p:ph idx="2" type="sldImg"/>
@@ -1242,7 +1242,7 @@
       </p:sp>
       <p:sp>
         <p:nvSpPr>
-          <p:cNvPr id="85" name="Google Shape;85;g7dcdda4394_0_15:notes"/>
+          <p:cNvPr id="86" name="Google Shape;86;g7dcdda4394_0_15:notes"/>
           <p:cNvSpPr txBox="1"/>
           <p:nvPr>
             <p:ph idx="1" type="body"/>
@@ -1292,7 +1292,7 @@
   <p:cSld>
     <p:spTree>
       <p:nvGrpSpPr>
-        <p:cNvPr id="90" name="Shape 90"/>
+        <p:cNvPr id="91" name="Shape 91"/>
         <p:cNvGrpSpPr/>
         <p:nvPr/>
       </p:nvGrpSpPr>
@@ -1306,7 +1306,7 @@
       </p:grpSpPr>
       <p:sp>
         <p:nvSpPr>
-          <p:cNvPr id="91" name="Google Shape;91;g7dcdda4394_0_21:notes"/>
+          <p:cNvPr id="92" name="Google Shape;92;g7dcdda4394_0_21:notes"/>
           <p:cNvSpPr/>
           <p:nvPr>
             <p:ph idx="2" type="sldImg"/>
@@ -1341,7 +1341,7 @@
       </p:sp>
       <p:sp>
         <p:nvSpPr>
-          <p:cNvPr id="92" name="Google Shape;92;g7dcdda4394_0_21:notes"/>
+          <p:cNvPr id="93" name="Google Shape;93;g7dcdda4394_0_21:notes"/>
           <p:cNvSpPr txBox="1"/>
           <p:nvPr>
             <p:ph idx="1" type="body"/>
@@ -1391,7 +1391,7 @@
   <p:cSld>
     <p:spTree>
       <p:nvGrpSpPr>
-        <p:cNvPr id="97" name="Shape 97"/>
+        <p:cNvPr id="98" name="Shape 98"/>
         <p:cNvGrpSpPr/>
         <p:nvPr/>
       </p:nvGrpSpPr>
@@ -1405,7 +1405,7 @@
       </p:grpSpPr>
       <p:sp>
         <p:nvSpPr>
-          <p:cNvPr id="98" name="Google Shape;98;g7dcdda4394_0_29:notes"/>
+          <p:cNvPr id="99" name="Google Shape;99;g7dcdda4394_0_29:notes"/>
           <p:cNvSpPr/>
           <p:nvPr>
             <p:ph idx="2" type="sldImg"/>
@@ -1440,7 +1440,7 @@
       </p:sp>
       <p:sp>
         <p:nvSpPr>
-          <p:cNvPr id="99" name="Google Shape;99;g7dcdda4394_0_29:notes"/>
+          <p:cNvPr id="100" name="Google Shape;100;g7dcdda4394_0_29:notes"/>
           <p:cNvSpPr txBox="1"/>
           <p:nvPr>
             <p:ph idx="1" type="body"/>
@@ -6516,7 +6516,7 @@
             <a:tbl>
               <a:tblPr>
                 <a:noFill/>
-                <a:tableStyleId>{82209316-C011-47B6-A658-6D7140AFE3BC}</a:tableStyleId>
+                <a:tableStyleId>{02679259-4291-4620-9CDC-837E90E5FDA5}</a:tableStyleId>
               </a:tblPr>
               <a:tblGrid>
                 <a:gridCol w="1328875"/>
@@ -8700,6 +8700,34 @@
           </a:p>
         </p:txBody>
       </p:sp>
+      <p:pic>
+        <p:nvPicPr>
+          <p:cNvPr id="69" name="Google Shape;69;p15"/>
+          <p:cNvPicPr preferRelativeResize="0"/>
+          <p:nvPr/>
+        </p:nvPicPr>
+        <p:blipFill>
+          <a:blip r:embed="rId4">
+            <a:alphaModFix/>
+          </a:blip>
+          <a:stretch>
+            <a:fillRect/>
+          </a:stretch>
+        </p:blipFill>
+        <p:spPr>
+          <a:xfrm>
+            <a:off x="848032" y="0"/>
+            <a:ext cx="7447937" cy="5143501"/>
+          </a:xfrm>
+          <a:prstGeom prst="rect">
+            <a:avLst/>
+          </a:prstGeom>
+          <a:noFill/>
+          <a:ln>
+            <a:noFill/>
+          </a:ln>
+        </p:spPr>
+      </p:pic>
     </p:spTree>
   </p:cSld>
   <p:clrMapOvr>
@@ -8713,7 +8741,7 @@
   <p:cSld>
     <p:spTree>
       <p:nvGrpSpPr>
-        <p:cNvPr id="72" name="Shape 72"/>
+        <p:cNvPr id="73" name="Shape 73"/>
         <p:cNvGrpSpPr/>
         <p:nvPr/>
       </p:nvGrpSpPr>
@@ -8727,7 +8755,7 @@
       </p:grpSpPr>
       <p:pic>
         <p:nvPicPr>
-          <p:cNvPr id="73" name="Google Shape;73;p16"/>
+          <p:cNvPr id="74" name="Google Shape;74;p16"/>
           <p:cNvPicPr preferRelativeResize="0"/>
           <p:nvPr/>
         </p:nvPicPr>
@@ -8755,7 +8783,7 @@
       </p:pic>
       <p:sp>
         <p:nvSpPr>
-          <p:cNvPr id="74" name="Google Shape;74;p16"/>
+          <p:cNvPr id="75" name="Google Shape;75;p16"/>
           <p:cNvSpPr txBox="1"/>
           <p:nvPr>
             <p:ph type="title"/>
@@ -8795,7 +8823,7 @@
       </p:sp>
       <p:sp>
         <p:nvSpPr>
-          <p:cNvPr id="75" name="Google Shape;75;p16"/>
+          <p:cNvPr id="76" name="Google Shape;76;p16"/>
           <p:cNvSpPr txBox="1"/>
           <p:nvPr>
             <p:ph idx="1" type="body"/>
@@ -8850,7 +8878,7 @@
   <p:cSld>
     <p:spTree>
       <p:nvGrpSpPr>
-        <p:cNvPr id="79" name="Shape 79"/>
+        <p:cNvPr id="80" name="Shape 80"/>
         <p:cNvGrpSpPr/>
         <p:nvPr/>
       </p:nvGrpSpPr>
@@ -8864,7 +8892,7 @@
       </p:grpSpPr>
       <p:sp>
         <p:nvSpPr>
-          <p:cNvPr id="80" name="Google Shape;80;p17"/>
+          <p:cNvPr id="81" name="Google Shape;81;p17"/>
           <p:cNvSpPr txBox="1"/>
           <p:nvPr>
             <p:ph type="title"/>
@@ -8904,7 +8932,7 @@
       </p:sp>
       <p:sp>
         <p:nvSpPr>
-          <p:cNvPr id="81" name="Google Shape;81;p17"/>
+          <p:cNvPr id="82" name="Google Shape;82;p17"/>
           <p:cNvSpPr txBox="1"/>
           <p:nvPr>
             <p:ph idx="1" type="body"/>
@@ -8943,7 +8971,7 @@
       </p:sp>
       <p:graphicFrame>
         <p:nvGraphicFramePr>
-          <p:cNvPr id="82" name="Google Shape;82;p17"/>
+          <p:cNvPr id="83" name="Google Shape;83;p17"/>
           <p:cNvGraphicFramePr/>
           <p:nvPr/>
         </p:nvGraphicFramePr>
@@ -8956,7 +8984,7 @@
             <a:tbl>
               <a:tblPr>
                 <a:noFill/>
-                <a:tableStyleId>{82209316-C011-47B6-A658-6D7140AFE3BC}</a:tableStyleId>
+                <a:tableStyleId>{02679259-4291-4620-9CDC-837E90E5FDA5}</a:tableStyleId>
               </a:tblPr>
               <a:tblGrid>
                 <a:gridCol w="1295175"/>
@@ -11011,7 +11039,7 @@
   <p:cSld>
     <p:spTree>
       <p:nvGrpSpPr>
-        <p:cNvPr id="86" name="Shape 86"/>
+        <p:cNvPr id="87" name="Shape 87"/>
         <p:cNvGrpSpPr/>
         <p:nvPr/>
       </p:nvGrpSpPr>
@@ -11025,7 +11053,7 @@
       </p:grpSpPr>
       <p:pic>
         <p:nvPicPr>
-          <p:cNvPr id="87" name="Google Shape;87;p18"/>
+          <p:cNvPr id="88" name="Google Shape;88;p18"/>
           <p:cNvPicPr preferRelativeResize="0"/>
           <p:nvPr/>
         </p:nvPicPr>
@@ -11053,7 +11081,7 @@
       </p:pic>
       <p:sp>
         <p:nvSpPr>
-          <p:cNvPr id="88" name="Google Shape;88;p18"/>
+          <p:cNvPr id="89" name="Google Shape;89;p18"/>
           <p:cNvSpPr txBox="1"/>
           <p:nvPr>
             <p:ph type="title"/>
@@ -11093,7 +11121,7 @@
       </p:sp>
       <p:sp>
         <p:nvSpPr>
-          <p:cNvPr id="89" name="Google Shape;89;p18"/>
+          <p:cNvPr id="90" name="Google Shape;90;p18"/>
           <p:cNvSpPr txBox="1"/>
           <p:nvPr>
             <p:ph idx="1" type="body"/>
@@ -11144,7 +11172,7 @@
   <p:cSld>
     <p:spTree>
       <p:nvGrpSpPr>
-        <p:cNvPr id="93" name="Shape 93"/>
+        <p:cNvPr id="94" name="Shape 94"/>
         <p:cNvGrpSpPr/>
         <p:nvPr/>
       </p:nvGrpSpPr>
@@ -11158,7 +11186,7 @@
       </p:grpSpPr>
       <p:pic>
         <p:nvPicPr>
-          <p:cNvPr id="94" name="Google Shape;94;p19"/>
+          <p:cNvPr id="95" name="Google Shape;95;p19"/>
           <p:cNvPicPr preferRelativeResize="0"/>
           <p:nvPr/>
         </p:nvPicPr>
@@ -11186,7 +11214,7 @@
       </p:pic>
       <p:sp>
         <p:nvSpPr>
-          <p:cNvPr id="95" name="Google Shape;95;p19"/>
+          <p:cNvPr id="96" name="Google Shape;96;p19"/>
           <p:cNvSpPr txBox="1"/>
           <p:nvPr>
             <p:ph type="title"/>
@@ -11226,7 +11254,7 @@
       </p:sp>
       <p:sp>
         <p:nvSpPr>
-          <p:cNvPr id="96" name="Google Shape;96;p19"/>
+          <p:cNvPr id="97" name="Google Shape;97;p19"/>
           <p:cNvSpPr txBox="1"/>
           <p:nvPr>
             <p:ph idx="1" type="body"/>
@@ -11277,7 +11305,7 @@
   <p:cSld>
     <p:spTree>
       <p:nvGrpSpPr>
-        <p:cNvPr id="100" name="Shape 100"/>
+        <p:cNvPr id="101" name="Shape 101"/>
         <p:cNvGrpSpPr/>
         <p:nvPr/>
       </p:nvGrpSpPr>
@@ -11291,7 +11319,7 @@
       </p:grpSpPr>
       <p:sp>
         <p:nvSpPr>
-          <p:cNvPr id="101" name="Google Shape;101;p20"/>
+          <p:cNvPr id="102" name="Google Shape;102;p20"/>
           <p:cNvSpPr txBox="1"/>
           <p:nvPr>
             <p:ph type="title"/>
@@ -11331,7 +11359,7 @@
       </p:sp>
       <p:sp>
         <p:nvSpPr>
-          <p:cNvPr id="102" name="Google Shape;102;p20"/>
+          <p:cNvPr id="103" name="Google Shape;103;p20"/>
           <p:cNvSpPr txBox="1"/>
           <p:nvPr>
             <p:ph idx="1" type="body"/>
